--- a/day1-montecarlo.pptx
+++ b/day1-montecarlo.pptx
@@ -5,7 +5,7 @@
     <p:sldMasterId id="2147483648" r:id="rId4"/>
   </p:sldMasterIdLst>
   <p:notesMasterIdLst>
-    <p:notesMasterId r:id="rId30"/>
+    <p:notesMasterId r:id="rId31"/>
   </p:notesMasterIdLst>
   <p:sldIdLst>
     <p:sldId id="284" r:id="rId5"/>
@@ -33,6 +33,7 @@
     <p:sldId id="389" r:id="rId27"/>
     <p:sldId id="388" r:id="rId28"/>
     <p:sldId id="393" r:id="rId29"/>
+    <p:sldId id="394" r:id="rId30"/>
   </p:sldIdLst>
   <p:sldSz cx="12192000" cy="6858000"/>
   <p:notesSz cx="6858000" cy="9144000"/>
@@ -590,8 +591,34 @@
           <a:lstStyle/>
           <a:p>
             <a:r>
+              <a:rPr lang="en-US" dirty="0" smtClean="0"/>
+              <a:t>##</a:t>
+            </a:r>
+            <a:r>
+              <a:rPr lang="en-US" baseline="0" dirty="0" smtClean="0"/>
+              <a:t> </a:t>
+            </a:r>
+            <a:r>
               <a:rPr lang="ru-RU" dirty="0" smtClean="0"/>
-              <a:t>Начнем с разбора</a:t>
+              <a:t>Анонс дня</a:t>
+            </a:r>
+            <a:br>
+              <a:rPr lang="ru-RU" dirty="0" smtClean="0"/>
+            </a:br>
+            <a:r>
+              <a:rPr lang="ru-RU" dirty="0" smtClean="0"/>
+              <a:t/>
+            </a:r>
+            <a:br>
+              <a:rPr lang="ru-RU" dirty="0" smtClean="0"/>
+            </a:br>
+            <a:r>
+              <a:rPr lang="ru-RU" dirty="0" smtClean="0"/>
+              <a:t>Начнем </a:t>
+            </a:r>
+            <a:r>
+              <a:rPr lang="ru-RU" dirty="0" smtClean="0"/>
+              <a:t>с разбора</a:t>
             </a:r>
             <a:r>
               <a:rPr lang="ru-RU" baseline="0" dirty="0" smtClean="0"/>
@@ -661,12 +688,142 @@
             </a:br>
             <a:r>
               <a:rPr lang="ru-RU" baseline="0" dirty="0" smtClean="0"/>
-              <a:t>В конце вы получите заготовку кода для реализации разобранного на лекции алгоритма. Это и будет вашим следующим домашним заданием!</a:t>
+              <a:t>В конце вы получите заготовку кода для реализации разобранного на лекции алгоритма. Это и будет вашим следующим домашним заданием</a:t>
+            </a:r>
+            <a:r>
+              <a:rPr lang="ru-RU" baseline="0" dirty="0" smtClean="0"/>
+              <a:t>!</a:t>
+            </a:r>
+            <a:endParaRPr lang="en-US" baseline="0" dirty="0" smtClean="0"/>
+          </a:p>
+          <a:p>
+            <a:r>
+              <a:rPr lang="en-US" baseline="0" dirty="0" smtClean="0"/>
+              <a:t/>
+            </a:r>
+            <a:br>
+              <a:rPr lang="en-US" baseline="0" dirty="0" smtClean="0"/>
+            </a:br>
+            <a:r>
+              <a:rPr lang="en-US" baseline="0" dirty="0" smtClean="0"/>
+              <a:t>##</a:t>
+            </a:r>
+            <a:r>
+              <a:rPr lang="ru-RU" baseline="0" dirty="0" smtClean="0"/>
+              <a:t> Ссылки для чата</a:t>
             </a:r>
             <a:br>
               <a:rPr lang="ru-RU" baseline="0" dirty="0" smtClean="0"/>
             </a:br>
+            <a:r>
+              <a:rPr lang="ru-RU" baseline="0" dirty="0" smtClean="0"/>
+              <a:t/>
+            </a:r>
+            <a:br>
+              <a:rPr lang="ru-RU" baseline="0" dirty="0" smtClean="0"/>
+            </a:br>
+            <a:r>
+              <a:rPr lang="ru-RU" baseline="0" dirty="0" smtClean="0"/>
+              <a:t>Телеграм чат:</a:t>
+            </a:r>
+          </a:p>
+          <a:p>
+            <a:r>
+              <a:rPr lang="ru-RU" baseline="0" dirty="0" smtClean="0"/>
+              <a:t>https://t.me/+cBld0FHs1Bc4Y2Ri</a:t>
+            </a:r>
+          </a:p>
+          <a:p>
             <a:endParaRPr lang="ru-RU" baseline="0" dirty="0" smtClean="0"/>
+          </a:p>
+          <a:p>
+            <a:r>
+              <a:rPr lang="ru-RU" baseline="0" dirty="0" smtClean="0"/>
+              <a:t>Кто прошел на школу:</a:t>
+            </a:r>
+          </a:p>
+          <a:p>
+            <a:r>
+              <a:rPr lang="ru-RU" baseline="0" dirty="0" smtClean="0"/>
+              <a:t>https://docs.google.com/spreadsheets/d/1c31P-Hm62eLcaCmwGZiqlF1cctymNKvcGLB1Kq5BVck/edit#gid=2026833251</a:t>
+            </a:r>
+          </a:p>
+          <a:p>
+            <a:endParaRPr lang="ru-RU" baseline="0" dirty="0" smtClean="0"/>
+          </a:p>
+          <a:p>
+            <a:r>
+              <a:rPr lang="ru-RU" baseline="0" dirty="0" smtClean="0"/>
+              <a:t>Задача </a:t>
+            </a:r>
+            <a:r>
+              <a:rPr lang="ru-RU" baseline="0" dirty="0" err="1" smtClean="0"/>
+              <a:t>Search-Race</a:t>
+            </a:r>
+            <a:r>
+              <a:rPr lang="ru-RU" baseline="0" dirty="0" smtClean="0"/>
+              <a:t>:</a:t>
+            </a:r>
+          </a:p>
+          <a:p>
+            <a:r>
+              <a:rPr lang="ru-RU" baseline="0" dirty="0" smtClean="0"/>
+              <a:t>https://www.codingame.com/ide/puzzle/search-race</a:t>
+            </a:r>
+          </a:p>
+          <a:p>
+            <a:endParaRPr lang="ru-RU" baseline="0" dirty="0" smtClean="0"/>
+          </a:p>
+          <a:p>
+            <a:r>
+              <a:rPr lang="ru-RU" baseline="0" dirty="0" smtClean="0"/>
+              <a:t>Смотрим стартовый код:</a:t>
+            </a:r>
+          </a:p>
+          <a:p>
+            <a:r>
+              <a:rPr lang="ru-RU" baseline="0" dirty="0" smtClean="0"/>
+              <a:t>https://github.com/game-ai-course/game-ai-school</a:t>
+            </a:r>
+          </a:p>
+          <a:p>
+            <a:endParaRPr lang="ru-RU" baseline="0" dirty="0" smtClean="0"/>
+          </a:p>
+          <a:p>
+            <a:r>
+              <a:rPr lang="ru-RU" baseline="0" dirty="0" smtClean="0"/>
+              <a:t>Ещё раз ссылка на чат:</a:t>
+            </a:r>
+          </a:p>
+          <a:p>
+            <a:r>
+              <a:rPr lang="ru-RU" baseline="0" dirty="0" smtClean="0"/>
+              <a:t>https://t.me/+cBld0FHs1Bc4Y2Ri</a:t>
+            </a:r>
+          </a:p>
+          <a:p>
+            <a:endParaRPr lang="ru-RU" baseline="0" dirty="0" smtClean="0"/>
+          </a:p>
+          <a:p>
+            <a:r>
+              <a:rPr lang="ru-RU" baseline="0" dirty="0" smtClean="0"/>
+              <a:t>Как смотреть </a:t>
+            </a:r>
+            <a:r>
+              <a:rPr lang="ru-RU" baseline="0" dirty="0" err="1" smtClean="0"/>
+              <a:t>лидерборд</a:t>
+            </a:r>
+            <a:r>
+              <a:rPr lang="ru-RU" baseline="0" dirty="0" smtClean="0"/>
+              <a:t> участников школы по задаче:</a:t>
+            </a:r>
+          </a:p>
+          <a:p>
+            <a:r>
+              <a:rPr lang="ru-RU" baseline="0" dirty="0" smtClean="0"/>
+              <a:t>https://www.codingame.com/multiplayer/optimization/search-race/leaderboard/company</a:t>
+            </a:r>
+            <a:endParaRPr lang="en-US" baseline="0" dirty="0" smtClean="0"/>
           </a:p>
         </p:txBody>
       </p:sp>
@@ -755,6 +912,133 @@
           <a:bodyPr/>
           <a:lstStyle/>
           <a:p>
+            <a:pPr marL="0" marR="0" lvl="0" indent="0" algn="l" defTabSz="914400" rtl="0" eaLnBrk="1" fontAlgn="base" latinLnBrk="0" hangingPunct="1">
+              <a:lnSpc>
+                <a:spcPct val="100000"/>
+              </a:lnSpc>
+              <a:spcBef>
+                <a:spcPct val="30000"/>
+              </a:spcBef>
+              <a:spcAft>
+                <a:spcPct val="0"/>
+              </a:spcAft>
+              <a:buClrTx/>
+              <a:buSzTx/>
+              <a:buFontTx/>
+              <a:buNone/>
+              <a:tabLst/>
+              <a:defRPr/>
+            </a:pPr>
+            <a:r>
+              <a:rPr lang="ru-RU" dirty="0" smtClean="0"/>
+              <a:t>Сколько раз повторять п3?</a:t>
+            </a:r>
+          </a:p>
+          <a:p>
+            <a:endParaRPr lang="ru-RU" dirty="0" smtClean="0"/>
+          </a:p>
+          <a:p>
+            <a:r>
+              <a:rPr lang="ru-RU" dirty="0" smtClean="0"/>
+              <a:t>Какой значение выбрать для </a:t>
+            </a:r>
+            <a:r>
+              <a:rPr lang="en-US" dirty="0" smtClean="0"/>
+              <a:t>D</a:t>
+            </a:r>
+            <a:r>
+              <a:rPr lang="ru-RU" dirty="0" smtClean="0"/>
+              <a:t>?</a:t>
+            </a:r>
+            <a:endParaRPr lang="ru-RU" dirty="0"/>
+          </a:p>
+        </p:txBody>
+      </p:sp>
+      <p:sp>
+        <p:nvSpPr>
+          <p:cNvPr id="4" name="Номер слайда 3"/>
+          <p:cNvSpPr>
+            <a:spLocks noGrp="1"/>
+          </p:cNvSpPr>
+          <p:nvPr>
+            <p:ph type="sldNum" sz="quarter" idx="10"/>
+          </p:nvPr>
+        </p:nvSpPr>
+        <p:spPr/>
+        <p:txBody>
+          <a:bodyPr/>
+          <a:lstStyle/>
+          <a:p>
+            <a:fld id="{A9A0EA98-5831-4853-B862-C702E6EB345C}" type="slidenum">
+              <a:rPr lang="en-US" smtClean="0"/>
+              <a:t>19</a:t>
+            </a:fld>
+            <a:endParaRPr lang="en-US"/>
+          </a:p>
+        </p:txBody>
+      </p:sp>
+    </p:spTree>
+    <p:extLst>
+      <p:ext uri="{BB962C8B-B14F-4D97-AF65-F5344CB8AC3E}">
+        <p14:creationId xmlns:p14="http://schemas.microsoft.com/office/powerpoint/2010/main" val="1395180677"/>
+      </p:ext>
+    </p:extLst>
+  </p:cSld>
+  <p:clrMapOvr>
+    <a:masterClrMapping/>
+  </p:clrMapOvr>
+</p:notes>
+</file>
+
+<file path=ppt/notesSlides/notesSlide11.xml><?xml version="1.0" encoding="utf-8"?>
+<p:notes xmlns:a="http://schemas.openxmlformats.org/drawingml/2006/main" xmlns:r="http://schemas.openxmlformats.org/officeDocument/2006/relationships" xmlns:p="http://schemas.openxmlformats.org/presentationml/2006/main">
+  <p:cSld>
+    <p:spTree>
+      <p:nvGrpSpPr>
+        <p:cNvPr id="1" name=""/>
+        <p:cNvGrpSpPr/>
+        <p:nvPr/>
+      </p:nvGrpSpPr>
+      <p:grpSpPr>
+        <a:xfrm>
+          <a:off x="0" y="0"/>
+          <a:ext cx="0" cy="0"/>
+          <a:chOff x="0" y="0"/>
+          <a:chExt cx="0" cy="0"/>
+        </a:xfrm>
+      </p:grpSpPr>
+      <p:sp>
+        <p:nvSpPr>
+          <p:cNvPr id="2" name="Образ слайда 1"/>
+          <p:cNvSpPr>
+            <a:spLocks noGrp="1" noRot="1" noChangeAspect="1"/>
+          </p:cNvSpPr>
+          <p:nvPr>
+            <p:ph type="sldImg"/>
+          </p:nvPr>
+        </p:nvSpPr>
+        <p:spPr>
+          <a:xfrm>
+            <a:off x="138113" y="766763"/>
+            <a:ext cx="6823075" cy="3838575"/>
+          </a:xfrm>
+        </p:spPr>
+      </p:sp>
+      <p:sp>
+        <p:nvSpPr>
+          <p:cNvPr id="3" name="Заметки 2"/>
+          <p:cNvSpPr>
+            <a:spLocks noGrp="1"/>
+          </p:cNvSpPr>
+          <p:nvPr>
+            <p:ph type="body" idx="1"/>
+          </p:nvPr>
+        </p:nvSpPr>
+        <p:spPr/>
+        <p:txBody>
+          <a:bodyPr/>
+          <a:lstStyle/>
+          <a:p>
             <a:r>
               <a:rPr lang="ru-RU" dirty="0" smtClean="0"/>
               <a:t>После этого можно сделать </a:t>
@@ -860,57 +1144,6 @@
           <a:bodyPr/>
           <a:lstStyle/>
           <a:p>
-            <a:r>
-              <a:rPr lang="ru-RU" dirty="0" smtClean="0"/>
-              <a:t>Тут открываем </a:t>
-            </a:r>
-            <a:r>
-              <a:rPr lang="en-US" dirty="0" err="1" smtClean="0"/>
-              <a:t>CodinGame</a:t>
-            </a:r>
-            <a:r>
-              <a:rPr lang="en-US" dirty="0" smtClean="0"/>
-              <a:t> </a:t>
-            </a:r>
-            <a:r>
-              <a:rPr lang="ru-RU" dirty="0" smtClean="0"/>
-              <a:t>и</a:t>
-            </a:r>
-            <a:r>
-              <a:rPr lang="ru-RU" baseline="0" dirty="0" smtClean="0"/>
-              <a:t> смотрим на решение тестового:</a:t>
-            </a:r>
-            <a:br>
-              <a:rPr lang="ru-RU" baseline="0" dirty="0" smtClean="0"/>
-            </a:br>
-            <a:r>
-              <a:rPr lang="ru-RU" baseline="0" dirty="0" smtClean="0"/>
-              <a:t>Сначала на версию, в на которой остановились в прошлом видео. Потом добавляем торможение. Смотрим как ведет себя машинка, понимаем, что можно поворачивать к следующему </a:t>
-            </a:r>
-            <a:r>
-              <a:rPr lang="ru-RU" baseline="0" dirty="0" err="1" smtClean="0"/>
-              <a:t>чекпоинту</a:t>
-            </a:r>
-            <a:r>
-              <a:rPr lang="ru-RU" baseline="0" dirty="0" smtClean="0"/>
-              <a:t>, когда летим по инерции.</a:t>
-            </a:r>
-          </a:p>
-          <a:p>
-            <a:r>
-              <a:rPr lang="ru-RU" baseline="0" dirty="0" smtClean="0"/>
-              <a:t>Реализуем это. Наслаждаемся красивым полётом. Нажимаем </a:t>
-            </a:r>
-            <a:r>
-              <a:rPr lang="en-US" baseline="0" dirty="0" smtClean="0"/>
-              <a:t>SUBMIT</a:t>
-            </a:r>
-            <a:r>
-              <a:rPr lang="ru-RU" baseline="0" dirty="0" smtClean="0"/>
-              <a:t> и видим, сколько набрали очков.</a:t>
-            </a:r>
-          </a:p>
-          <a:p>
             <a:endParaRPr lang="ru-RU" dirty="0"/>
           </a:p>
         </p:txBody>
@@ -932,7 +1165,7 @@
           <a:p>
             <a:fld id="{A9A0EA98-5831-4853-B862-C702E6EB345C}" type="slidenum">
               <a:rPr lang="en-US" smtClean="0"/>
-              <a:t>5</a:t>
+              <a:t>3</a:t>
             </a:fld>
             <a:endParaRPr lang="en-US"/>
           </a:p>
@@ -941,7 +1174,7 @@
     </p:spTree>
     <p:extLst>
       <p:ext uri="{BB962C8B-B14F-4D97-AF65-F5344CB8AC3E}">
-        <p14:creationId xmlns:p14="http://schemas.microsoft.com/office/powerpoint/2010/main" val="809548148"/>
+        <p14:creationId xmlns:p14="http://schemas.microsoft.com/office/powerpoint/2010/main" val="2031560571"/>
       </p:ext>
     </p:extLst>
   </p:cSld>
@@ -1000,7 +1233,58 @@
           <a:bodyPr/>
           <a:lstStyle/>
           <a:p>
-            <a:endParaRPr lang="ru-RU" baseline="0" dirty="0" smtClean="0"/>
+            <a:r>
+              <a:rPr lang="ru-RU" dirty="0" smtClean="0"/>
+              <a:t>Тут открываем </a:t>
+            </a:r>
+            <a:r>
+              <a:rPr lang="en-US" dirty="0" err="1" smtClean="0"/>
+              <a:t>CodinGame</a:t>
+            </a:r>
+            <a:r>
+              <a:rPr lang="en-US" dirty="0" smtClean="0"/>
+              <a:t> </a:t>
+            </a:r>
+            <a:r>
+              <a:rPr lang="ru-RU" dirty="0" smtClean="0"/>
+              <a:t>и</a:t>
+            </a:r>
+            <a:r>
+              <a:rPr lang="ru-RU" baseline="0" dirty="0" smtClean="0"/>
+              <a:t> смотрим на решение тестового:</a:t>
+            </a:r>
+            <a:br>
+              <a:rPr lang="ru-RU" baseline="0" dirty="0" smtClean="0"/>
+            </a:br>
+            <a:r>
+              <a:rPr lang="ru-RU" baseline="0" dirty="0" smtClean="0"/>
+              <a:t>Сначала на версию, в на которой остановились в прошлом видео. Потом добавляем торможение. Смотрим как ведет себя машинка, понимаем, что можно поворачивать к следующему </a:t>
+            </a:r>
+            <a:r>
+              <a:rPr lang="ru-RU" baseline="0" dirty="0" err="1" smtClean="0"/>
+              <a:t>чекпоинту</a:t>
+            </a:r>
+            <a:r>
+              <a:rPr lang="ru-RU" baseline="0" dirty="0" smtClean="0"/>
+              <a:t>, когда летим по инерции.</a:t>
+            </a:r>
+          </a:p>
+          <a:p>
+            <a:r>
+              <a:rPr lang="ru-RU" baseline="0" dirty="0" smtClean="0"/>
+              <a:t>Реализуем это. Наслаждаемся красивым полётом. Нажимаем </a:t>
+            </a:r>
+            <a:r>
+              <a:rPr lang="en-US" baseline="0" dirty="0" smtClean="0"/>
+              <a:t>SUBMIT</a:t>
+            </a:r>
+            <a:r>
+              <a:rPr lang="ru-RU" baseline="0" dirty="0" smtClean="0"/>
+              <a:t> и видим, сколько набрали очков.</a:t>
+            </a:r>
+          </a:p>
+          <a:p>
+            <a:endParaRPr lang="ru-RU" dirty="0"/>
           </a:p>
         </p:txBody>
       </p:sp>
@@ -1021,7 +1305,7 @@
           <a:p>
             <a:fld id="{A9A0EA98-5831-4853-B862-C702E6EB345C}" type="slidenum">
               <a:rPr lang="en-US" smtClean="0"/>
-              <a:t>6</a:t>
+              <a:t>5</a:t>
             </a:fld>
             <a:endParaRPr lang="en-US"/>
           </a:p>
@@ -1030,7 +1314,7 @@
     </p:spTree>
     <p:extLst>
       <p:ext uri="{BB962C8B-B14F-4D97-AF65-F5344CB8AC3E}">
-        <p14:creationId xmlns:p14="http://schemas.microsoft.com/office/powerpoint/2010/main" val="639881053"/>
+        <p14:creationId xmlns:p14="http://schemas.microsoft.com/office/powerpoint/2010/main" val="809548148"/>
       </p:ext>
     </p:extLst>
   </p:cSld>
@@ -1089,14 +1373,7 @@
           <a:bodyPr/>
           <a:lstStyle/>
           <a:p>
-            <a:pPr marL="0" indent="0">
-              <a:buNone/>
-            </a:pPr>
-            <a:r>
-              <a:rPr lang="ru-RU" baseline="0" dirty="0" smtClean="0"/>
-              <a:t>Смотрим на поведение машинки на тестах</a:t>
-            </a:r>
-            <a:endParaRPr lang="ru-RU" dirty="0"/>
+            <a:endParaRPr lang="ru-RU" baseline="0" dirty="0" smtClean="0"/>
           </a:p>
         </p:txBody>
       </p:sp>
@@ -1117,7 +1394,7 @@
           <a:p>
             <a:fld id="{A9A0EA98-5831-4853-B862-C702E6EB345C}" type="slidenum">
               <a:rPr lang="en-US" smtClean="0"/>
-              <a:t>7</a:t>
+              <a:t>6</a:t>
             </a:fld>
             <a:endParaRPr lang="en-US"/>
           </a:p>
@@ -1126,7 +1403,7 @@
     </p:spTree>
     <p:extLst>
       <p:ext uri="{BB962C8B-B14F-4D97-AF65-F5344CB8AC3E}">
-        <p14:creationId xmlns:p14="http://schemas.microsoft.com/office/powerpoint/2010/main" val="4000151646"/>
+        <p14:creationId xmlns:p14="http://schemas.microsoft.com/office/powerpoint/2010/main" val="639881053"/>
       </p:ext>
     </p:extLst>
   </p:cSld>
@@ -1185,91 +1462,12 @@
           <a:bodyPr/>
           <a:lstStyle/>
           <a:p>
-            <a:pPr marL="228600" indent="-228600">
-              <a:buAutoNum type="arabicPeriod"/>
-            </a:pPr>
-            <a:r>
-              <a:rPr lang="ru-RU" dirty="0" smtClean="0"/>
-              <a:t>Какая</a:t>
-            </a:r>
-            <a:r>
-              <a:rPr lang="ru-RU" baseline="0" dirty="0" smtClean="0"/>
-              <a:t> траектория лучше?</a:t>
-            </a:r>
-          </a:p>
-          <a:p>
-            <a:pPr marL="228600" indent="-228600">
-              <a:buAutoNum type="arabicPeriod"/>
-            </a:pPr>
-            <a:r>
-              <a:rPr lang="ru-RU" baseline="0" dirty="0" smtClean="0"/>
-              <a:t>Не понятно, пока не </a:t>
-            </a:r>
-            <a:r>
-              <a:rPr lang="ru-RU" baseline="0" dirty="0" err="1" smtClean="0"/>
-              <a:t>просимулируем</a:t>
-            </a:r>
-            <a:r>
-              <a:rPr lang="ru-RU" baseline="0" dirty="0" smtClean="0"/>
-              <a:t>.</a:t>
-            </a:r>
-          </a:p>
-          <a:p>
-            <a:pPr marL="228600" indent="-228600">
-              <a:buAutoNum type="arabicPeriod"/>
-            </a:pPr>
-            <a:r>
-              <a:rPr lang="ru-RU" baseline="0" dirty="0" smtClean="0"/>
-              <a:t>Можно брать разные траектории ( = последовательности команд для машинки), некоторой длины, симулировать их и выбирать самую </a:t>
-            </a:r>
-            <a:r>
-              <a:rPr lang="ru-RU" baseline="0" dirty="0" err="1" smtClean="0"/>
-              <a:t>лучшу</a:t>
-            </a:r>
-            <a:r>
-              <a:rPr lang="ru-RU" baseline="0" dirty="0" smtClean="0"/>
-              <a:t>.</a:t>
-            </a:r>
-          </a:p>
-          <a:p>
-            <a:pPr marL="228600" indent="-228600">
-              <a:buAutoNum type="arabicPeriod"/>
-            </a:pPr>
-            <a:endParaRPr lang="ru-RU" baseline="0" dirty="0" smtClean="0"/>
-          </a:p>
-          <a:p>
             <a:pPr marL="0" indent="0">
               <a:buNone/>
             </a:pPr>
             <a:r>
               <a:rPr lang="ru-RU" baseline="0" dirty="0" smtClean="0"/>
-              <a:t>Остались вопросы:</a:t>
-            </a:r>
-          </a:p>
-          <a:p>
-            <a:pPr marL="228600" indent="-228600">
-              <a:buAutoNum type="arabicPeriod"/>
-            </a:pPr>
-            <a:r>
-              <a:rPr lang="ru-RU" baseline="0" dirty="0" smtClean="0"/>
-              <a:t>Где брать траектории, которые стоит </a:t>
-            </a:r>
-            <a:r>
-              <a:rPr lang="ru-RU" baseline="0" dirty="0" err="1" smtClean="0"/>
-              <a:t>посимулировать</a:t>
-            </a:r>
-            <a:r>
-              <a:rPr lang="ru-RU" baseline="0" dirty="0" smtClean="0"/>
-              <a:t>?</a:t>
-            </a:r>
-          </a:p>
-          <a:p>
-            <a:pPr marL="228600" indent="-228600">
-              <a:buAutoNum type="arabicPeriod"/>
-            </a:pPr>
-            <a:r>
-              <a:rPr lang="ru-RU" baseline="0" dirty="0" smtClean="0"/>
-              <a:t>Как оценивать, какая траектория лучше?</a:t>
+              <a:t>Смотрим на поведение машинки на тестах</a:t>
             </a:r>
             <a:endParaRPr lang="ru-RU" dirty="0"/>
           </a:p>
@@ -1292,7 +1490,7 @@
           <a:p>
             <a:fld id="{A9A0EA98-5831-4853-B862-C702E6EB345C}" type="slidenum">
               <a:rPr lang="en-US" smtClean="0"/>
-              <a:t>8</a:t>
+              <a:t>7</a:t>
             </a:fld>
             <a:endParaRPr lang="en-US"/>
           </a:p>
@@ -1301,7 +1499,7 @@
     </p:spTree>
     <p:extLst>
       <p:ext uri="{BB962C8B-B14F-4D97-AF65-F5344CB8AC3E}">
-        <p14:creationId xmlns:p14="http://schemas.microsoft.com/office/powerpoint/2010/main" val="2284313636"/>
+        <p14:creationId xmlns:p14="http://schemas.microsoft.com/office/powerpoint/2010/main" val="4000151646"/>
       </p:ext>
     </p:extLst>
   </p:cSld>
@@ -1360,6 +1558,92 @@
           <a:bodyPr/>
           <a:lstStyle/>
           <a:p>
+            <a:pPr marL="228600" indent="-228600">
+              <a:buAutoNum type="arabicPeriod"/>
+            </a:pPr>
+            <a:r>
+              <a:rPr lang="ru-RU" dirty="0" smtClean="0"/>
+              <a:t>Какая</a:t>
+            </a:r>
+            <a:r>
+              <a:rPr lang="ru-RU" baseline="0" dirty="0" smtClean="0"/>
+              <a:t> траектория лучше?</a:t>
+            </a:r>
+          </a:p>
+          <a:p>
+            <a:pPr marL="228600" indent="-228600">
+              <a:buAutoNum type="arabicPeriod"/>
+            </a:pPr>
+            <a:r>
+              <a:rPr lang="ru-RU" baseline="0" dirty="0" smtClean="0"/>
+              <a:t>Не понятно, пока не </a:t>
+            </a:r>
+            <a:r>
+              <a:rPr lang="ru-RU" baseline="0" dirty="0" err="1" smtClean="0"/>
+              <a:t>просимулируем</a:t>
+            </a:r>
+            <a:r>
+              <a:rPr lang="ru-RU" baseline="0" dirty="0" smtClean="0"/>
+              <a:t>.</a:t>
+            </a:r>
+          </a:p>
+          <a:p>
+            <a:pPr marL="228600" indent="-228600">
+              <a:buAutoNum type="arabicPeriod"/>
+            </a:pPr>
+            <a:r>
+              <a:rPr lang="ru-RU" baseline="0" dirty="0" smtClean="0"/>
+              <a:t>Можно брать разные траектории ( = последовательности команд для машинки), некоторой длины, симулировать их и выбирать самую </a:t>
+            </a:r>
+            <a:r>
+              <a:rPr lang="ru-RU" baseline="0" dirty="0" err="1" smtClean="0"/>
+              <a:t>лучшу</a:t>
+            </a:r>
+            <a:r>
+              <a:rPr lang="ru-RU" baseline="0" dirty="0" smtClean="0"/>
+              <a:t>.</a:t>
+            </a:r>
+          </a:p>
+          <a:p>
+            <a:pPr marL="228600" indent="-228600">
+              <a:buAutoNum type="arabicPeriod"/>
+            </a:pPr>
+            <a:endParaRPr lang="ru-RU" baseline="0" dirty="0" smtClean="0"/>
+          </a:p>
+          <a:p>
+            <a:pPr marL="0" indent="0">
+              <a:buNone/>
+            </a:pPr>
+            <a:r>
+              <a:rPr lang="ru-RU" baseline="0" dirty="0" smtClean="0"/>
+              <a:t>Остались вопросы:</a:t>
+            </a:r>
+          </a:p>
+          <a:p>
+            <a:pPr marL="228600" indent="-228600">
+              <a:buAutoNum type="arabicPeriod"/>
+            </a:pPr>
+            <a:r>
+              <a:rPr lang="ru-RU" baseline="0" dirty="0" smtClean="0"/>
+              <a:t>Где брать траектории, которые стоит </a:t>
+            </a:r>
+            <a:r>
+              <a:rPr lang="ru-RU" baseline="0" dirty="0" err="1" smtClean="0"/>
+              <a:t>посимулировать</a:t>
+            </a:r>
+            <a:r>
+              <a:rPr lang="ru-RU" baseline="0" dirty="0" smtClean="0"/>
+              <a:t>?</a:t>
+            </a:r>
+          </a:p>
+          <a:p>
+            <a:pPr marL="228600" indent="-228600">
+              <a:buAutoNum type="arabicPeriod"/>
+            </a:pPr>
+            <a:r>
+              <a:rPr lang="ru-RU" baseline="0" dirty="0" smtClean="0"/>
+              <a:t>Как оценивать, какая траектория лучше?</a:t>
+            </a:r>
             <a:endParaRPr lang="ru-RU" dirty="0"/>
           </a:p>
         </p:txBody>
@@ -1381,7 +1665,7 @@
           <a:p>
             <a:fld id="{A9A0EA98-5831-4853-B862-C702E6EB345C}" type="slidenum">
               <a:rPr lang="en-US" smtClean="0"/>
-              <a:t>9</a:t>
+              <a:t>8</a:t>
             </a:fld>
             <a:endParaRPr lang="en-US"/>
           </a:p>
@@ -1390,7 +1674,7 @@
     </p:spTree>
     <p:extLst>
       <p:ext uri="{BB962C8B-B14F-4D97-AF65-F5344CB8AC3E}">
-        <p14:creationId xmlns:p14="http://schemas.microsoft.com/office/powerpoint/2010/main" val="4038893518"/>
+        <p14:creationId xmlns:p14="http://schemas.microsoft.com/office/powerpoint/2010/main" val="2284313636"/>
       </p:ext>
     </p:extLst>
   </p:cSld>
@@ -1470,7 +1754,7 @@
           <a:p>
             <a:fld id="{A9A0EA98-5831-4853-B862-C702E6EB345C}" type="slidenum">
               <a:rPr lang="en-US" smtClean="0"/>
-              <a:t>15</a:t>
+              <a:t>9</a:t>
             </a:fld>
             <a:endParaRPr lang="en-US"/>
           </a:p>
@@ -1479,7 +1763,7 @@
     </p:spTree>
     <p:extLst>
       <p:ext uri="{BB962C8B-B14F-4D97-AF65-F5344CB8AC3E}">
-        <p14:creationId xmlns:p14="http://schemas.microsoft.com/office/powerpoint/2010/main" val="1366068493"/>
+        <p14:creationId xmlns:p14="http://schemas.microsoft.com/office/powerpoint/2010/main" val="4038893518"/>
       </p:ext>
     </p:extLst>
   </p:cSld>
@@ -1538,22 +1822,6 @@
           <a:bodyPr/>
           <a:lstStyle/>
           <a:p>
-            <a:r>
-              <a:rPr lang="ru-RU" dirty="0" smtClean="0"/>
-              <a:t>Какой</a:t>
-            </a:r>
-            <a:r>
-              <a:rPr lang="ru-RU" baseline="0" dirty="0" smtClean="0"/>
-              <a:t> может быть самый простой способ </a:t>
-            </a:r>
-            <a:r>
-              <a:rPr lang="ru-RU" baseline="0" dirty="0" err="1" smtClean="0"/>
-              <a:t>поперебирать</a:t>
-            </a:r>
-            <a:r>
-              <a:rPr lang="ru-RU" baseline="0" dirty="0" smtClean="0"/>
-              <a:t> разные траектории?</a:t>
-            </a:r>
             <a:endParaRPr lang="ru-RU" dirty="0"/>
           </a:p>
         </p:txBody>
@@ -1575,7 +1843,7 @@
           <a:p>
             <a:fld id="{A9A0EA98-5831-4853-B862-C702E6EB345C}" type="slidenum">
               <a:rPr lang="en-US" smtClean="0"/>
-              <a:t>18</a:t>
+              <a:t>15</a:t>
             </a:fld>
             <a:endParaRPr lang="en-US"/>
           </a:p>
@@ -1584,7 +1852,7 @@
     </p:spTree>
     <p:extLst>
       <p:ext uri="{BB962C8B-B14F-4D97-AF65-F5344CB8AC3E}">
-        <p14:creationId xmlns:p14="http://schemas.microsoft.com/office/powerpoint/2010/main" val="3609852125"/>
+        <p14:creationId xmlns:p14="http://schemas.microsoft.com/office/powerpoint/2010/main" val="1366068493"/>
       </p:ext>
     </p:extLst>
   </p:cSld>
@@ -1643,43 +1911,21 @@
           <a:bodyPr/>
           <a:lstStyle/>
           <a:p>
-            <a:pPr marL="0" marR="0" lvl="0" indent="0" algn="l" defTabSz="914400" rtl="0" eaLnBrk="1" fontAlgn="base" latinLnBrk="0" hangingPunct="1">
-              <a:lnSpc>
-                <a:spcPct val="100000"/>
-              </a:lnSpc>
-              <a:spcBef>
-                <a:spcPct val="30000"/>
-              </a:spcBef>
-              <a:spcAft>
-                <a:spcPct val="0"/>
-              </a:spcAft>
-              <a:buClrTx/>
-              <a:buSzTx/>
-              <a:buFontTx/>
-              <a:buNone/>
-              <a:tabLst/>
-              <a:defRPr/>
-            </a:pPr>
             <a:r>
               <a:rPr lang="ru-RU" dirty="0" smtClean="0"/>
-              <a:t>Сколько раз повторять п3?</a:t>
-            </a:r>
-          </a:p>
-          <a:p>
-            <a:endParaRPr lang="ru-RU" dirty="0" smtClean="0"/>
-          </a:p>
-          <a:p>
-            <a:r>
-              <a:rPr lang="ru-RU" dirty="0" smtClean="0"/>
-              <a:t>Какой значение выбрать для </a:t>
-            </a:r>
-            <a:r>
-              <a:rPr lang="en-US" dirty="0" smtClean="0"/>
-              <a:t>D</a:t>
-            </a:r>
-            <a:r>
-              <a:rPr lang="ru-RU" dirty="0" smtClean="0"/>
-              <a:t>?</a:t>
+              <a:t>Какой</a:t>
+            </a:r>
+            <a:r>
+              <a:rPr lang="ru-RU" baseline="0" dirty="0" smtClean="0"/>
+              <a:t> может быть самый простой способ </a:t>
+            </a:r>
+            <a:r>
+              <a:rPr lang="ru-RU" baseline="0" dirty="0" err="1" smtClean="0"/>
+              <a:t>поперебирать</a:t>
+            </a:r>
+            <a:r>
+              <a:rPr lang="ru-RU" baseline="0" dirty="0" smtClean="0"/>
+              <a:t> разные траектории?</a:t>
             </a:r>
             <a:endParaRPr lang="ru-RU" dirty="0"/>
           </a:p>
@@ -1702,7 +1948,7 @@
           <a:p>
             <a:fld id="{A9A0EA98-5831-4853-B862-C702E6EB345C}" type="slidenum">
               <a:rPr lang="en-US" smtClean="0"/>
-              <a:t>19</a:t>
+              <a:t>18</a:t>
             </a:fld>
             <a:endParaRPr lang="en-US"/>
           </a:p>
@@ -1711,7 +1957,7 @@
     </p:spTree>
     <p:extLst>
       <p:ext uri="{BB962C8B-B14F-4D97-AF65-F5344CB8AC3E}">
-        <p14:creationId xmlns:p14="http://schemas.microsoft.com/office/powerpoint/2010/main" val="1395180677"/>
+        <p14:creationId xmlns:p14="http://schemas.microsoft.com/office/powerpoint/2010/main" val="3609852125"/>
       </p:ext>
     </p:extLst>
   </p:cSld>
@@ -1939,7 +2185,7 @@
           <a:p>
             <a:fld id="{52604C20-81F0-455F-9EA6-DB887778A58A}" type="datetimeFigureOut">
               <a:rPr lang="en-US" smtClean="0"/>
-              <a:t>2/25/2022</a:t>
+              <a:t>2/26/2022</a:t>
             </a:fld>
             <a:endParaRPr lang="en-US"/>
           </a:p>
@@ -2138,7 +2384,7 @@
           <a:p>
             <a:fld id="{52604C20-81F0-455F-9EA6-DB887778A58A}" type="datetimeFigureOut">
               <a:rPr lang="en-US" smtClean="0"/>
-              <a:t>2/25/2022</a:t>
+              <a:t>2/26/2022</a:t>
             </a:fld>
             <a:endParaRPr lang="en-US"/>
           </a:p>
@@ -2345,7 +2591,7 @@
           <a:p>
             <a:fld id="{52604C20-81F0-455F-9EA6-DB887778A58A}" type="datetimeFigureOut">
               <a:rPr lang="en-US" smtClean="0"/>
-              <a:t>2/25/2022</a:t>
+              <a:t>2/26/2022</a:t>
             </a:fld>
             <a:endParaRPr lang="en-US"/>
           </a:p>
@@ -2496,7 +2742,7 @@
           <a:p>
             <a:fld id="{52604C20-81F0-455F-9EA6-DB887778A58A}" type="datetimeFigureOut">
               <a:rPr lang="en-US" smtClean="0"/>
-              <a:t>2/25/2022</a:t>
+              <a:t>2/26/2022</a:t>
             </a:fld>
             <a:endParaRPr lang="en-US"/>
           </a:p>
@@ -2798,7 +3044,7 @@
           <a:p>
             <a:fld id="{52604C20-81F0-455F-9EA6-DB887778A58A}" type="datetimeFigureOut">
               <a:rPr lang="en-US" smtClean="0"/>
-              <a:t>2/25/2022</a:t>
+              <a:t>2/26/2022</a:t>
             </a:fld>
             <a:endParaRPr lang="en-US"/>
           </a:p>
@@ -3048,7 +3294,7 @@
           <a:p>
             <a:fld id="{52604C20-81F0-455F-9EA6-DB887778A58A}" type="datetimeFigureOut">
               <a:rPr lang="en-US" smtClean="0"/>
-              <a:t>2/25/2022</a:t>
+              <a:t>2/26/2022</a:t>
             </a:fld>
             <a:endParaRPr lang="en-US"/>
           </a:p>
@@ -3877,12 +4123,6 @@
             </a:r>
             <a:endParaRPr lang="ru-RU" dirty="0" smtClean="0"/>
           </a:p>
-          <a:p>
-            <a:r>
-              <a:rPr lang="ru-RU" dirty="0" smtClean="0"/>
-              <a:t>Текущее время (игра заканчивается через 600 раундов)</a:t>
-            </a:r>
-          </a:p>
         </p:txBody>
       </p:sp>
     </p:spTree>
@@ -4971,12 +5211,6 @@
             <a:endParaRPr lang="ru-RU" dirty="0" smtClean="0"/>
           </a:p>
           <a:p>
-            <a:r>
-              <a:rPr lang="ru-RU" dirty="0" smtClean="0"/>
-              <a:t>Текущее время (игра заканчивается через 600 раундов)</a:t>
-            </a:r>
-          </a:p>
-          <a:p>
             <a:endParaRPr lang="ru-RU" dirty="0"/>
           </a:p>
           <a:p>
@@ -4986,13 +5220,35 @@
             <a:endParaRPr lang="ru-RU" dirty="0" smtClean="0"/>
           </a:p>
           <a:p>
+            <a:pPr marL="0" indent="0" algn="ctr">
+              <a:buNone/>
+            </a:pPr>
+            <a:r>
+              <a:rPr lang="ru-RU" sz="4400" b="1" dirty="0" smtClean="0"/>
+              <a:t>Смотрим </a:t>
+            </a:r>
+            <a:r>
+              <a:rPr lang="ru-RU" sz="4400" b="1" dirty="0" smtClean="0"/>
+              <a:t>код</a:t>
+            </a:r>
+            <a:br>
+              <a:rPr lang="ru-RU" sz="4400" b="1" dirty="0" smtClean="0"/>
+            </a:br>
+            <a:r>
+              <a:rPr lang="en-US" dirty="0">
+                <a:hlinkClick r:id="rId3"/>
+              </a:rPr>
+              <a:t>https://github.com/game-ai-course/game-ai-school</a:t>
+            </a:r>
+            <a:r>
+              <a:rPr lang="ru-RU" dirty="0"/>
+              <a:t> </a:t>
+            </a:r>
+          </a:p>
+          <a:p>
             <a:pPr marL="0" indent="0">
               <a:buNone/>
             </a:pPr>
-            <a:r>
-              <a:rPr lang="ru-RU" sz="4400" b="1" dirty="0" smtClean="0"/>
-              <a:t>Смотрим код</a:t>
-            </a:r>
             <a:endParaRPr lang="ru-RU" b="1" dirty="0" smtClean="0"/>
           </a:p>
           <a:p>
@@ -6154,6 +6410,13 @@
   <p:clrMapOvr>
     <a:masterClrMapping/>
   </p:clrMapOvr>
+  <p:timing>
+    <p:tnLst>
+      <p:par>
+        <p:cTn id="1" dur="indefinite" restart="never" nodeType="tmRoot"/>
+      </p:par>
+    </p:tnLst>
+  </p:timing>
 </p:sld>
 </file>
 
@@ -6539,7 +6802,239 @@
   <p:timing>
     <p:tnLst>
       <p:par>
-        <p:cTn id="1" dur="indefinite" restart="never" nodeType="tmRoot"/>
+        <p:cTn id="1" dur="indefinite" restart="never" nodeType="tmRoot">
+          <p:childTnLst>
+            <p:seq concurrent="1" nextAc="seek">
+              <p:cTn id="2" dur="indefinite" nodeType="mainSeq">
+                <p:childTnLst>
+                  <p:par>
+                    <p:cTn id="3" fill="hold">
+                      <p:stCondLst>
+                        <p:cond delay="indefinite"/>
+                      </p:stCondLst>
+                      <p:childTnLst>
+                        <p:par>
+                          <p:cTn id="4" fill="hold">
+                            <p:stCondLst>
+                              <p:cond delay="0"/>
+                            </p:stCondLst>
+                            <p:childTnLst>
+                              <p:par>
+                                <p:cTn id="5" presetID="1" presetClass="entr" presetSubtype="0" fill="hold" nodeType="clickEffect">
+                                  <p:stCondLst>
+                                    <p:cond delay="0"/>
+                                  </p:stCondLst>
+                                  <p:childTnLst>
+                                    <p:set>
+                                      <p:cBhvr>
+                                        <p:cTn id="6" dur="1" fill="hold">
+                                          <p:stCondLst>
+                                            <p:cond delay="0"/>
+                                          </p:stCondLst>
+                                        </p:cTn>
+                                        <p:tgtEl>
+                                          <p:spTgt spid="3">
+                                            <p:txEl>
+                                              <p:pRg st="1" end="1"/>
+                                            </p:txEl>
+                                          </p:spTgt>
+                                        </p:tgtEl>
+                                        <p:attrNameLst>
+                                          <p:attrName>style.visibility</p:attrName>
+                                        </p:attrNameLst>
+                                      </p:cBhvr>
+                                      <p:to>
+                                        <p:strVal val="visible"/>
+                                      </p:to>
+                                    </p:set>
+                                  </p:childTnLst>
+                                </p:cTn>
+                              </p:par>
+                            </p:childTnLst>
+                          </p:cTn>
+                        </p:par>
+                      </p:childTnLst>
+                    </p:cTn>
+                  </p:par>
+                  <p:par>
+                    <p:cTn id="7" fill="hold">
+                      <p:stCondLst>
+                        <p:cond delay="indefinite"/>
+                      </p:stCondLst>
+                      <p:childTnLst>
+                        <p:par>
+                          <p:cTn id="8" fill="hold">
+                            <p:stCondLst>
+                              <p:cond delay="0"/>
+                            </p:stCondLst>
+                            <p:childTnLst>
+                              <p:par>
+                                <p:cTn id="9" presetID="1" presetClass="entr" presetSubtype="0" fill="hold" nodeType="clickEffect">
+                                  <p:stCondLst>
+                                    <p:cond delay="0"/>
+                                  </p:stCondLst>
+                                  <p:childTnLst>
+                                    <p:set>
+                                      <p:cBhvr>
+                                        <p:cTn id="10" dur="1" fill="hold">
+                                          <p:stCondLst>
+                                            <p:cond delay="0"/>
+                                          </p:stCondLst>
+                                        </p:cTn>
+                                        <p:tgtEl>
+                                          <p:spTgt spid="3">
+                                            <p:txEl>
+                                              <p:pRg st="3" end="3"/>
+                                            </p:txEl>
+                                          </p:spTgt>
+                                        </p:tgtEl>
+                                        <p:attrNameLst>
+                                          <p:attrName>style.visibility</p:attrName>
+                                        </p:attrNameLst>
+                                      </p:cBhvr>
+                                      <p:to>
+                                        <p:strVal val="visible"/>
+                                      </p:to>
+                                    </p:set>
+                                  </p:childTnLst>
+                                </p:cTn>
+                              </p:par>
+                              <p:par>
+                                <p:cTn id="11" presetID="1" presetClass="entr" presetSubtype="0" fill="hold" nodeType="withEffect">
+                                  <p:stCondLst>
+                                    <p:cond delay="0"/>
+                                  </p:stCondLst>
+                                  <p:childTnLst>
+                                    <p:set>
+                                      <p:cBhvr>
+                                        <p:cTn id="12" dur="1" fill="hold">
+                                          <p:stCondLst>
+                                            <p:cond delay="0"/>
+                                          </p:stCondLst>
+                                        </p:cTn>
+                                        <p:tgtEl>
+                                          <p:spTgt spid="3">
+                                            <p:txEl>
+                                              <p:pRg st="4" end="4"/>
+                                            </p:txEl>
+                                          </p:spTgt>
+                                        </p:tgtEl>
+                                        <p:attrNameLst>
+                                          <p:attrName>style.visibility</p:attrName>
+                                        </p:attrNameLst>
+                                      </p:cBhvr>
+                                      <p:to>
+                                        <p:strVal val="visible"/>
+                                      </p:to>
+                                    </p:set>
+                                  </p:childTnLst>
+                                </p:cTn>
+                              </p:par>
+                            </p:childTnLst>
+                          </p:cTn>
+                        </p:par>
+                      </p:childTnLst>
+                    </p:cTn>
+                  </p:par>
+                  <p:par>
+                    <p:cTn id="13" fill="hold">
+                      <p:stCondLst>
+                        <p:cond delay="indefinite"/>
+                      </p:stCondLst>
+                      <p:childTnLst>
+                        <p:par>
+                          <p:cTn id="14" fill="hold">
+                            <p:stCondLst>
+                              <p:cond delay="0"/>
+                            </p:stCondLst>
+                            <p:childTnLst>
+                              <p:par>
+                                <p:cTn id="15" presetID="1" presetClass="entr" presetSubtype="0" fill="hold" nodeType="clickEffect">
+                                  <p:stCondLst>
+                                    <p:cond delay="0"/>
+                                  </p:stCondLst>
+                                  <p:childTnLst>
+                                    <p:set>
+                                      <p:cBhvr>
+                                        <p:cTn id="16" dur="1" fill="hold">
+                                          <p:stCondLst>
+                                            <p:cond delay="0"/>
+                                          </p:stCondLst>
+                                        </p:cTn>
+                                        <p:tgtEl>
+                                          <p:spTgt spid="3">
+                                            <p:txEl>
+                                              <p:pRg st="6" end="6"/>
+                                            </p:txEl>
+                                          </p:spTgt>
+                                        </p:tgtEl>
+                                        <p:attrNameLst>
+                                          <p:attrName>style.visibility</p:attrName>
+                                        </p:attrNameLst>
+                                      </p:cBhvr>
+                                      <p:to>
+                                        <p:strVal val="visible"/>
+                                      </p:to>
+                                    </p:set>
+                                  </p:childTnLst>
+                                </p:cTn>
+                              </p:par>
+                              <p:par>
+                                <p:cTn id="17" presetID="1" presetClass="entr" presetSubtype="0" fill="hold" nodeType="withEffect">
+                                  <p:stCondLst>
+                                    <p:cond delay="0"/>
+                                  </p:stCondLst>
+                                  <p:childTnLst>
+                                    <p:set>
+                                      <p:cBhvr>
+                                        <p:cTn id="18" dur="1" fill="hold">
+                                          <p:stCondLst>
+                                            <p:cond delay="0"/>
+                                          </p:stCondLst>
+                                        </p:cTn>
+                                        <p:tgtEl>
+                                          <p:spTgt spid="3">
+                                            <p:txEl>
+                                              <p:pRg st="7" end="7"/>
+                                            </p:txEl>
+                                          </p:spTgt>
+                                        </p:tgtEl>
+                                        <p:attrNameLst>
+                                          <p:attrName>style.visibility</p:attrName>
+                                        </p:attrNameLst>
+                                      </p:cBhvr>
+                                      <p:to>
+                                        <p:strVal val="visible"/>
+                                      </p:to>
+                                    </p:set>
+                                  </p:childTnLst>
+                                </p:cTn>
+                              </p:par>
+                            </p:childTnLst>
+                          </p:cTn>
+                        </p:par>
+                      </p:childTnLst>
+                    </p:cTn>
+                  </p:par>
+                </p:childTnLst>
+              </p:cTn>
+              <p:prevCondLst>
+                <p:cond evt="onPrev" delay="0">
+                  <p:tgtEl>
+                    <p:sldTgt/>
+                  </p:tgtEl>
+                </p:cond>
+              </p:prevCondLst>
+              <p:nextCondLst>
+                <p:cond evt="onNext" delay="0">
+                  <p:tgtEl>
+                    <p:sldTgt/>
+                  </p:tgtEl>
+                </p:cond>
+              </p:nextCondLst>
+            </p:seq>
+          </p:childTnLst>
+        </p:cTn>
       </p:par>
     </p:tnLst>
   </p:timing>
@@ -6619,8 +7114,42 @@
             </a:pPr>
             <a:r>
               <a:rPr lang="ru-RU" dirty="0" smtClean="0"/>
-              <a:t>Реализуйте случайный поиск</a:t>
-            </a:r>
+              <a:t>Возьмите стартовый код для алгоритма </a:t>
+            </a:r>
+            <a:r>
+              <a:rPr lang="en-US" dirty="0" smtClean="0"/>
+              <a:t>Monte Carlo </a:t>
+            </a:r>
+            <a:r>
+              <a:rPr lang="ru-RU" dirty="0" smtClean="0"/>
+              <a:t>вот тут: </a:t>
+            </a:r>
+            <a:br>
+              <a:rPr lang="ru-RU" dirty="0" smtClean="0"/>
+            </a:br>
+            <a:r>
+              <a:rPr lang="en-US" dirty="0" smtClean="0">
+                <a:hlinkClick r:id="rId2"/>
+              </a:rPr>
+              <a:t>https</a:t>
+            </a:r>
+            <a:r>
+              <a:rPr lang="en-US" dirty="0">
+                <a:hlinkClick r:id="rId2"/>
+              </a:rPr>
+              <a:t>://</a:t>
+            </a:r>
+            <a:r>
+              <a:rPr lang="en-US" dirty="0" smtClean="0">
+                <a:hlinkClick r:id="rId2"/>
+              </a:rPr>
+              <a:t>github.com/game-ai-course/game-ai-school</a:t>
+            </a:r>
+            <a:r>
+              <a:rPr lang="ru-RU" dirty="0" smtClean="0"/>
+              <a:t> </a:t>
+            </a:r>
+            <a:endParaRPr lang="ru-RU" dirty="0" smtClean="0"/>
           </a:p>
           <a:p>
             <a:pPr>
@@ -6629,6 +7158,21 @@
             </a:pPr>
             <a:r>
               <a:rPr lang="ru-RU" dirty="0" smtClean="0"/>
+              <a:t>Реализуйте алгоритм </a:t>
+            </a:r>
+            <a:r>
+              <a:rPr lang="en-US" dirty="0" smtClean="0"/>
+              <a:t>Monte Carlo</a:t>
+            </a:r>
+            <a:endParaRPr lang="ru-RU" dirty="0" smtClean="0"/>
+          </a:p>
+          <a:p>
+            <a:pPr>
+              <a:buFont typeface="+mj-lt"/>
+              <a:buAutoNum type="arabicPeriod"/>
+            </a:pPr>
+            <a:r>
+              <a:rPr lang="ru-RU" dirty="0" smtClean="0"/>
               <a:t>Попробуйте улучшить его результат с помощью </a:t>
             </a:r>
             <a:br>
@@ -6636,8 +7180,38 @@
             </a:br>
             <a:r>
               <a:rPr lang="ru-RU" dirty="0" smtClean="0"/>
-              <a:t>идей с предыдущего слайда</a:t>
-            </a:r>
+              <a:t>идей с предыдущего </a:t>
+            </a:r>
+            <a:r>
+              <a:rPr lang="ru-RU" dirty="0" smtClean="0"/>
+              <a:t>слайда</a:t>
+            </a:r>
+          </a:p>
+          <a:p>
+            <a:pPr>
+              <a:buFont typeface="+mj-lt"/>
+              <a:buAutoNum type="arabicPeriod"/>
+            </a:pPr>
+            <a:r>
+              <a:rPr lang="ru-RU" dirty="0" smtClean="0"/>
+              <a:t>Пройдите код-</a:t>
+            </a:r>
+            <a:r>
+              <a:rPr lang="ru-RU" dirty="0" err="1" smtClean="0"/>
+              <a:t>ревью</a:t>
+            </a:r>
+            <a:r>
+              <a:rPr lang="ru-RU" dirty="0" smtClean="0"/>
+              <a:t> со своим преподавателем</a:t>
+            </a:r>
+            <a:endParaRPr lang="en-US" dirty="0" smtClean="0"/>
+          </a:p>
+          <a:p>
+            <a:pPr>
+              <a:buFont typeface="+mj-lt"/>
+              <a:buAutoNum type="arabicPeriod"/>
+            </a:pPr>
+            <a:endParaRPr lang="ru-RU" dirty="0" smtClean="0"/>
           </a:p>
           <a:p>
             <a:pPr>
@@ -6718,6 +7292,13 @@
   <p:clrMapOvr>
     <a:masterClrMapping/>
   </p:clrMapOvr>
+  <p:timing>
+    <p:tnLst>
+      <p:par>
+        <p:cTn id="1" dur="indefinite" restart="never" nodeType="tmRoot"/>
+      </p:par>
+    </p:tnLst>
+  </p:timing>
 </p:sld>
 </file>
 
@@ -6794,8 +7375,9 @@
             </a:pPr>
             <a:r>
               <a:rPr lang="ru-RU" dirty="0" smtClean="0"/>
-              <a:t>Зачем:</a:t>
-            </a:r>
+              <a:t>Зачем это вам?</a:t>
+            </a:r>
+            <a:endParaRPr lang="ru-RU" dirty="0" smtClean="0"/>
           </a:p>
           <a:p>
             <a:pPr lvl="1"/>
@@ -6808,15 +7390,28 @@
             <a:pPr lvl="1"/>
             <a:r>
               <a:rPr lang="ru-RU" dirty="0" smtClean="0"/>
-              <a:t>Если все решили — получить советы и идеи, что ещё улучшить</a:t>
+              <a:t>Если </a:t>
+            </a:r>
+            <a:r>
+              <a:rPr lang="ru-RU" dirty="0" smtClean="0"/>
+              <a:t>всё </a:t>
+            </a:r>
+            <a:r>
+              <a:rPr lang="ru-RU" dirty="0" smtClean="0"/>
+              <a:t>решили — получить советы и идеи, что ещё улучшить</a:t>
             </a:r>
           </a:p>
           <a:p>
             <a:pPr lvl="1"/>
             <a:r>
               <a:rPr lang="ru-RU" dirty="0" smtClean="0"/>
-              <a:t>Посмотреть, что делают другие, поучиться на их решениях или на их ошибках</a:t>
-            </a:r>
+              <a:t>Посмотреть, что делают другие, поучиться на их решениях или </a:t>
+            </a:r>
+            <a:r>
+              <a:rPr lang="ru-RU" dirty="0" smtClean="0"/>
+              <a:t>ошибках</a:t>
+            </a:r>
+            <a:endParaRPr lang="ru-RU" dirty="0" smtClean="0"/>
           </a:p>
           <a:p>
             <a:pPr lvl="1"/>
@@ -6830,11 +7425,27 @@
             </a:r>
             <a:r>
               <a:rPr lang="ru-RU" dirty="0" smtClean="0"/>
-              <a:t> мы дадим только тем, кто прошел код-</a:t>
+              <a:t> </a:t>
+            </a:r>
+            <a:r>
+              <a:rPr lang="ru-RU" dirty="0" smtClean="0"/>
+              <a:t>— только </a:t>
+            </a:r>
+            <a:r>
+              <a:rPr lang="ru-RU" dirty="0" smtClean="0"/>
+              <a:t>тем, кто прошел </a:t>
+            </a:r>
+            <a:r>
+              <a:rPr lang="ru-RU" dirty="0" smtClean="0"/>
+              <a:t>код-</a:t>
             </a:r>
             <a:r>
               <a:rPr lang="ru-RU" dirty="0" err="1" smtClean="0"/>
               <a:t>ревью</a:t>
+            </a:r>
+            <a:r>
+              <a:rPr lang="ru-RU" dirty="0" smtClean="0"/>
+              <a:t> всех задач</a:t>
             </a:r>
             <a:endParaRPr lang="ru-RU" dirty="0" smtClean="0"/>
           </a:p>
@@ -6928,17 +7539,66 @@
           <a:bodyPr/>
           <a:lstStyle/>
           <a:p>
-            <a:pPr marL="0" indent="0">
-              <a:buNone/>
+            <a:pPr>
+              <a:buAutoNum type="arabicPeriod"/>
             </a:pPr>
             <a:r>
+              <a:rPr lang="ru-RU" dirty="0" err="1" smtClean="0"/>
+              <a:t>Созвон</a:t>
+            </a:r>
+            <a:r>
               <a:rPr lang="ru-RU" dirty="0" smtClean="0"/>
-              <a:t>Ведомость </a:t>
-            </a:r>
-            <a:r>
-              <a:rPr lang="ru-RU" smtClean="0"/>
-              <a:t>и расписание вот тут:</a:t>
-            </a:r>
+              <a:t> на вашу группу на 1.5 часа. </a:t>
+            </a:r>
+          </a:p>
+          <a:p>
+            <a:pPr>
+              <a:buAutoNum type="arabicPeriod"/>
+            </a:pPr>
+            <a:r>
+              <a:rPr lang="ru-RU" dirty="0" smtClean="0"/>
+              <a:t>Если все сдали за первый </a:t>
+            </a:r>
+            <a:r>
+              <a:rPr lang="ru-RU" dirty="0" err="1" smtClean="0"/>
+              <a:t>созвон</a:t>
+            </a:r>
+            <a:r>
+              <a:rPr lang="ru-RU" dirty="0" smtClean="0"/>
+              <a:t>, на второй можно не приходить.</a:t>
+            </a:r>
+          </a:p>
+          <a:p>
+            <a:pPr>
+              <a:buAutoNum type="arabicPeriod"/>
+            </a:pPr>
+            <a:r>
+              <a:rPr lang="ru-RU" dirty="0" smtClean="0"/>
+              <a:t>Расписание </a:t>
+            </a:r>
+            <a:r>
+              <a:rPr lang="ru-RU" dirty="0" err="1" smtClean="0"/>
+              <a:t>созвонов</a:t>
+            </a:r>
+            <a:r>
+              <a:rPr lang="ru-RU" dirty="0" smtClean="0"/>
+              <a:t> появится чуть позже в </a:t>
+            </a:r>
+            <a:r>
+              <a:rPr lang="ru-RU" dirty="0" err="1" smtClean="0"/>
+              <a:t>телеграм</a:t>
+            </a:r>
+            <a:r>
+              <a:rPr lang="ru-RU" dirty="0" smtClean="0"/>
+              <a:t> чате.</a:t>
+            </a:r>
+            <a:endParaRPr lang="ru-RU" dirty="0" smtClean="0"/>
+          </a:p>
+          <a:p>
+            <a:pPr>
+              <a:buAutoNum type="arabicPeriod"/>
+            </a:pPr>
+            <a:endParaRPr lang="ru-RU" dirty="0" smtClean="0"/>
           </a:p>
           <a:p>
             <a:pPr marL="0" indent="0">
@@ -6948,10 +7608,193 @@
           </a:p>
         </p:txBody>
       </p:sp>
+      <p:pic>
+        <p:nvPicPr>
+          <p:cNvPr id="6" name="Рисунок 5"/>
+          <p:cNvPicPr>
+            <a:picLocks noChangeAspect="1"/>
+          </p:cNvPicPr>
+          <p:nvPr/>
+        </p:nvPicPr>
+        <p:blipFill>
+          <a:blip r:embed="rId2"/>
+          <a:stretch>
+            <a:fillRect/>
+          </a:stretch>
+        </p:blipFill>
+        <p:spPr>
+          <a:xfrm>
+            <a:off x="4617682" y="3315581"/>
+            <a:ext cx="2993145" cy="2993145"/>
+          </a:xfrm>
+          <a:prstGeom prst="rect">
+            <a:avLst/>
+          </a:prstGeom>
+        </p:spPr>
+      </p:pic>
     </p:spTree>
     <p:extLst>
       <p:ext uri="{BB962C8B-B14F-4D97-AF65-F5344CB8AC3E}">
         <p14:creationId xmlns:p14="http://schemas.microsoft.com/office/powerpoint/2010/main" val="4024351923"/>
+      </p:ext>
+    </p:extLst>
+  </p:cSld>
+  <p:clrMapOvr>
+    <a:masterClrMapping/>
+  </p:clrMapOvr>
+  <p:timing>
+    <p:tnLst>
+      <p:par>
+        <p:cTn id="1" dur="indefinite" restart="never" nodeType="tmRoot"/>
+      </p:par>
+    </p:tnLst>
+  </p:timing>
+</p:sld>
+</file>
+
+<file path=ppt/slides/slide26.xml><?xml version="1.0" encoding="utf-8"?>
+<p:sld xmlns:a="http://schemas.openxmlformats.org/drawingml/2006/main" xmlns:r="http://schemas.openxmlformats.org/officeDocument/2006/relationships" xmlns:p="http://schemas.openxmlformats.org/presentationml/2006/main">
+  <p:cSld>
+    <p:spTree>
+      <p:nvGrpSpPr>
+        <p:cNvPr id="1" name=""/>
+        <p:cNvGrpSpPr/>
+        <p:nvPr/>
+      </p:nvGrpSpPr>
+      <p:grpSpPr>
+        <a:xfrm>
+          <a:off x="0" y="0"/>
+          <a:ext cx="0" cy="0"/>
+          <a:chOff x="0" y="0"/>
+          <a:chExt cx="0" cy="0"/>
+        </a:xfrm>
+      </p:grpSpPr>
+      <p:sp>
+        <p:nvSpPr>
+          <p:cNvPr id="2" name="Заголовок 1"/>
+          <p:cNvSpPr>
+            <a:spLocks noGrp="1"/>
+          </p:cNvSpPr>
+          <p:nvPr>
+            <p:ph type="title"/>
+          </p:nvPr>
+        </p:nvSpPr>
+        <p:spPr/>
+        <p:txBody>
+          <a:bodyPr/>
+          <a:lstStyle/>
+          <a:p>
+            <a:r>
+              <a:rPr lang="ru-RU" dirty="0" err="1" smtClean="0"/>
+              <a:t>Лидерборд</a:t>
+            </a:r>
+            <a:r>
+              <a:rPr lang="ru-RU" dirty="0" smtClean="0"/>
+              <a:t> школы</a:t>
+            </a:r>
+            <a:endParaRPr lang="ru-RU" dirty="0"/>
+          </a:p>
+        </p:txBody>
+      </p:sp>
+      <p:sp>
+        <p:nvSpPr>
+          <p:cNvPr id="3" name="Объект 2"/>
+          <p:cNvSpPr>
+            <a:spLocks noGrp="1"/>
+          </p:cNvSpPr>
+          <p:nvPr>
+            <p:ph idx="1"/>
+          </p:nvPr>
+        </p:nvSpPr>
+        <p:spPr/>
+        <p:txBody>
+          <a:bodyPr/>
+          <a:lstStyle/>
+          <a:p>
+            <a:pPr marL="0" indent="0">
+              <a:buNone/>
+            </a:pPr>
+            <a:r>
+              <a:rPr lang="ru-RU" dirty="0" smtClean="0"/>
+              <a:t>Кому нужно исправить </a:t>
+            </a:r>
+            <a:br>
+              <a:rPr lang="ru-RU" dirty="0" smtClean="0"/>
+            </a:br>
+            <a:r>
+              <a:rPr lang="ru-RU" dirty="0" smtClean="0"/>
+              <a:t>поле </a:t>
+            </a:r>
+            <a:r>
+              <a:rPr lang="en-US" dirty="0" smtClean="0"/>
+              <a:t>company</a:t>
+            </a:r>
+            <a:r>
+              <a:rPr lang="ru-RU" dirty="0" smtClean="0"/>
+              <a:t> в профиле:</a:t>
+            </a:r>
+          </a:p>
+          <a:p>
+            <a:r>
+              <a:rPr lang="en-US" dirty="0" smtClean="0"/>
+              <a:t>kroki221</a:t>
+            </a:r>
+            <a:endParaRPr lang="ru-RU" dirty="0" smtClean="0"/>
+          </a:p>
+          <a:p>
+            <a:r>
+              <a:rPr lang="en-US" dirty="0" smtClean="0"/>
+              <a:t>SWH</a:t>
+            </a:r>
+            <a:endParaRPr lang="ru-RU" dirty="0" smtClean="0"/>
+          </a:p>
+          <a:p>
+            <a:r>
+              <a:rPr lang="en-US" dirty="0" err="1" smtClean="0"/>
+              <a:t>Stas_Korolev</a:t>
+            </a:r>
+            <a:endParaRPr lang="ru-RU" dirty="0" smtClean="0"/>
+          </a:p>
+          <a:p>
+            <a:r>
+              <a:rPr lang="en-US" dirty="0" err="1" smtClean="0"/>
+              <a:t>Ilyha</a:t>
+            </a:r>
+            <a:endParaRPr lang="ru-RU" dirty="0" smtClean="0"/>
+          </a:p>
+          <a:p>
+            <a:endParaRPr lang="ru-RU" dirty="0"/>
+          </a:p>
+        </p:txBody>
+      </p:sp>
+      <p:pic>
+        <p:nvPicPr>
+          <p:cNvPr id="4" name="Рисунок 3"/>
+          <p:cNvPicPr>
+            <a:picLocks noChangeAspect="1"/>
+          </p:cNvPicPr>
+          <p:nvPr/>
+        </p:nvPicPr>
+        <p:blipFill>
+          <a:blip r:embed="rId2"/>
+          <a:stretch>
+            <a:fillRect/>
+          </a:stretch>
+        </p:blipFill>
+        <p:spPr>
+          <a:xfrm>
+            <a:off x="6246193" y="1592263"/>
+            <a:ext cx="4533320" cy="4763559"/>
+          </a:xfrm>
+          <a:prstGeom prst="rect">
+            <a:avLst/>
+          </a:prstGeom>
+        </p:spPr>
+      </p:pic>
+    </p:spTree>
+    <p:extLst>
+      <p:ext uri="{BB962C8B-B14F-4D97-AF65-F5344CB8AC3E}">
+        <p14:creationId xmlns:p14="http://schemas.microsoft.com/office/powerpoint/2010/main" val="3479028050"/>
       </p:ext>
     </p:extLst>
   </p:cSld>
@@ -7064,7 +7907,7 @@
           <p:nvPr/>
         </p:nvPicPr>
         <p:blipFill>
-          <a:blip r:embed="rId2"/>
+          <a:blip r:embed="rId3"/>
           <a:stretch>
             <a:fillRect/>
           </a:stretch>
@@ -7089,6 +7932,13 @@
   <p:clrMapOvr>
     <a:masterClrMapping/>
   </p:clrMapOvr>
+  <p:timing>
+    <p:tnLst>
+      <p:par>
+        <p:cTn id="1" dur="indefinite" restart="never" nodeType="tmRoot"/>
+      </p:par>
+    </p:tnLst>
+  </p:timing>
 </p:sld>
 </file>
 
@@ -7126,31 +7976,27 @@
           <a:p>
             <a:r>
               <a:rPr lang="ru-RU" dirty="0" smtClean="0"/>
-              <a:t>Кто прошел на школу с </a:t>
+              <a:t>Кто прошел </a:t>
+            </a:r>
+            <a:r>
+              <a:rPr lang="en-US" dirty="0" smtClean="0"/>
+              <a:t/>
+            </a:r>
+            <a:br>
+              <a:rPr lang="en-US" dirty="0" smtClean="0"/>
+            </a:br>
+            <a:r>
+              <a:rPr lang="ru-RU" dirty="0" smtClean="0"/>
+              <a:t>на </a:t>
+            </a:r>
+            <a:r>
+              <a:rPr lang="ru-RU" dirty="0" smtClean="0"/>
+              <a:t>школу с </a:t>
             </a:r>
             <a:r>
               <a:rPr lang="ru-RU" dirty="0" err="1" smtClean="0"/>
               <a:t>ревью</a:t>
             </a:r>
-            <a:endParaRPr lang="ru-RU" dirty="0"/>
-          </a:p>
-        </p:txBody>
-      </p:sp>
-      <p:sp>
-        <p:nvSpPr>
-          <p:cNvPr id="3" name="Объект 2"/>
-          <p:cNvSpPr>
-            <a:spLocks noGrp="1"/>
-          </p:cNvSpPr>
-          <p:nvPr>
-            <p:ph idx="1"/>
-          </p:nvPr>
-        </p:nvSpPr>
-        <p:spPr/>
-        <p:txBody>
-          <a:bodyPr/>
-          <a:lstStyle/>
-          <a:p>
             <a:endParaRPr lang="ru-RU" dirty="0"/>
           </a:p>
         </p:txBody>
@@ -7165,6 +8011,13 @@
   <p:clrMapOvr>
     <a:masterClrMapping/>
   </p:clrMapOvr>
+  <p:timing>
+    <p:tnLst>
+      <p:par>
+        <p:cTn id="1" dur="indefinite" restart="never" nodeType="tmRoot"/>
+      </p:par>
+    </p:tnLst>
+  </p:timing>
 </p:sld>
 </file>
 
@@ -7218,6 +8071,13 @@
   <p:clrMapOvr>
     <a:masterClrMapping/>
   </p:clrMapOvr>
+  <p:timing>
+    <p:tnLst>
+      <p:par>
+        <p:cTn id="1" dur="indefinite" restart="never" nodeType="tmRoot"/>
+      </p:par>
+    </p:tnLst>
+  </p:timing>
 </p:sld>
 </file>
 
@@ -7468,7 +8328,7 @@
                                         <p:tgtEl>
                                           <p:spTgt spid="3">
                                             <p:txEl>
-                                              <p:pRg st="0" end="0"/>
+                                              <p:pRg st="4" end="4"/>
                                             </p:txEl>
                                           </p:spTgt>
                                         </p:tgtEl>
@@ -7517,7 +8377,7 @@
                                         <p:tgtEl>
                                           <p:spTgt spid="3">
                                             <p:txEl>
-                                              <p:pRg st="1" end="1"/>
+                                              <p:pRg st="5" end="5"/>
                                             </p:txEl>
                                           </p:spTgt>
                                         </p:tgtEl>
@@ -7566,7 +8426,7 @@
                                         <p:tgtEl>
                                           <p:spTgt spid="3">
                                             <p:txEl>
-                                              <p:pRg st="2" end="2"/>
+                                              <p:pRg st="6" end="6"/>
                                             </p:txEl>
                                           </p:spTgt>
                                         </p:tgtEl>
@@ -7600,7 +8460,7 @@
                             </p:stCondLst>
                             <p:childTnLst>
                               <p:par>
-                                <p:cTn id="17" presetID="1" presetClass="entr" presetSubtype="0" fill="hold" grpId="0" nodeType="clickEffect">
+                                <p:cTn id="17" presetID="1" presetClass="entr" presetSubtype="0" fill="hold" nodeType="clickEffect">
                                   <p:stCondLst>
                                     <p:cond delay="0"/>
                                   </p:stCondLst>
@@ -7615,154 +8475,7 @@
                                         <p:tgtEl>
                                           <p:spTgt spid="3">
                                             <p:txEl>
-                                              <p:pRg st="3" end="3"/>
-                                            </p:txEl>
-                                          </p:spTgt>
-                                        </p:tgtEl>
-                                        <p:attrNameLst>
-                                          <p:attrName>style.visibility</p:attrName>
-                                        </p:attrNameLst>
-                                      </p:cBhvr>
-                                      <p:to>
-                                        <p:strVal val="visible"/>
-                                      </p:to>
-                                    </p:set>
-                                  </p:childTnLst>
-                                </p:cTn>
-                              </p:par>
-                            </p:childTnLst>
-                          </p:cTn>
-                        </p:par>
-                      </p:childTnLst>
-                    </p:cTn>
-                  </p:par>
-                  <p:par>
-                    <p:cTn id="19" fill="hold">
-                      <p:stCondLst>
-                        <p:cond delay="indefinite"/>
-                      </p:stCondLst>
-                      <p:childTnLst>
-                        <p:par>
-                          <p:cTn id="20" fill="hold">
-                            <p:stCondLst>
-                              <p:cond delay="0"/>
-                            </p:stCondLst>
-                            <p:childTnLst>
-                              <p:par>
-                                <p:cTn id="21" presetID="1" presetClass="entr" presetSubtype="0" fill="hold" grpId="0" nodeType="clickEffect">
-                                  <p:stCondLst>
-                                    <p:cond delay="0"/>
-                                  </p:stCondLst>
-                                  <p:childTnLst>
-                                    <p:set>
-                                      <p:cBhvr>
-                                        <p:cTn id="22" dur="1" fill="hold">
-                                          <p:stCondLst>
-                                            <p:cond delay="0"/>
-                                          </p:stCondLst>
-                                        </p:cTn>
-                                        <p:tgtEl>
-                                          <p:spTgt spid="3">
-                                            <p:txEl>
-                                              <p:pRg st="4" end="4"/>
-                                            </p:txEl>
-                                          </p:spTgt>
-                                        </p:tgtEl>
-                                        <p:attrNameLst>
-                                          <p:attrName>style.visibility</p:attrName>
-                                        </p:attrNameLst>
-                                      </p:cBhvr>
-                                      <p:to>
-                                        <p:strVal val="visible"/>
-                                      </p:to>
-                                    </p:set>
-                                  </p:childTnLst>
-                                </p:cTn>
-                              </p:par>
-                            </p:childTnLst>
-                          </p:cTn>
-                        </p:par>
-                      </p:childTnLst>
-                    </p:cTn>
-                  </p:par>
-                  <p:par>
-                    <p:cTn id="23" fill="hold">
-                      <p:stCondLst>
-                        <p:cond delay="indefinite"/>
-                      </p:stCondLst>
-                      <p:childTnLst>
-                        <p:par>
-                          <p:cTn id="24" fill="hold">
-                            <p:stCondLst>
-                              <p:cond delay="0"/>
-                            </p:stCondLst>
-                            <p:childTnLst>
-                              <p:par>
-                                <p:cTn id="25" presetID="1" presetClass="entr" presetSubtype="0" fill="hold" grpId="0" nodeType="clickEffect">
-                                  <p:stCondLst>
-                                    <p:cond delay="0"/>
-                                  </p:stCondLst>
-                                  <p:childTnLst>
-                                    <p:set>
-                                      <p:cBhvr>
-                                        <p:cTn id="26" dur="1" fill="hold">
-                                          <p:stCondLst>
-                                            <p:cond delay="0"/>
-                                          </p:stCondLst>
-                                        </p:cTn>
-                                        <p:tgtEl>
-                                          <p:spTgt spid="3">
-                                            <p:txEl>
-                                              <p:pRg st="5" end="5"/>
-                                            </p:txEl>
-                                          </p:spTgt>
-                                        </p:tgtEl>
-                                        <p:attrNameLst>
-                                          <p:attrName>style.visibility</p:attrName>
-                                        </p:attrNameLst>
-                                      </p:cBhvr>
-                                      <p:to>
-                                        <p:strVal val="visible"/>
-                                      </p:to>
-                                    </p:set>
-                                  </p:childTnLst>
-                                </p:cTn>
-                              </p:par>
-                            </p:childTnLst>
-                          </p:cTn>
-                        </p:par>
-                      </p:childTnLst>
-                    </p:cTn>
-                  </p:par>
-                  <p:par>
-                    <p:cTn id="27" fill="hold">
-                      <p:stCondLst>
-                        <p:cond delay="indefinite"/>
-                      </p:stCondLst>
-                      <p:childTnLst>
-                        <p:par>
-                          <p:cTn id="28" fill="hold">
-                            <p:stCondLst>
-                              <p:cond delay="0"/>
-                            </p:stCondLst>
-                            <p:childTnLst>
-                              <p:par>
-                                <p:cTn id="29" presetID="1" presetClass="entr" presetSubtype="0" fill="hold" grpId="0" nodeType="clickEffect">
-                                  <p:stCondLst>
-                                    <p:cond delay="0"/>
-                                  </p:stCondLst>
-                                  <p:childTnLst>
-                                    <p:set>
-                                      <p:cBhvr>
-                                        <p:cTn id="30" dur="1" fill="hold">
-                                          <p:stCondLst>
-                                            <p:cond delay="0"/>
-                                          </p:stCondLst>
-                                        </p:cTn>
-                                        <p:tgtEl>
-                                          <p:spTgt spid="3">
-                                            <p:txEl>
-                                              <p:pRg st="6" end="6"/>
+                                              <p:pRg st="7" end="7"/>
                                             </p:txEl>
                                           </p:spTgt>
                                         </p:tgtEl>
@@ -7875,13 +8588,6 @@
           <a:p>
             <a:r>
               <a:rPr lang="en-US" dirty="0" smtClean="0"/>
-              <a:t>Round and round</a:t>
-            </a:r>
-            <a:endParaRPr lang="ru-RU" dirty="0" smtClean="0"/>
-          </a:p>
-          <a:p>
-            <a:r>
-              <a:rPr lang="en-US" dirty="0" smtClean="0"/>
               <a:t>Hold </a:t>
             </a:r>
             <a:r>
@@ -7973,15 +8679,11 @@
           <a:p>
             <a:r>
               <a:rPr lang="en-US" dirty="0" smtClean="0"/>
-              <a:t>Tokyo Drift</a:t>
-            </a:r>
-            <a:r>
-              <a:rPr lang="ru-RU" dirty="0" smtClean="0"/>
-              <a:t>, </a:t>
+              <a:t>Tokyo </a:t>
             </a:r>
             <a:r>
               <a:rPr lang="en-US" dirty="0" smtClean="0"/>
-              <a:t>Round and round</a:t>
+              <a:t>Drift</a:t>
             </a:r>
             <a:endParaRPr lang="ru-RU" dirty="0" smtClean="0"/>
           </a:p>
@@ -12340,6 +13042,12 @@
 </file>
 
 <file path=customXml/item1.xml><?xml version="1.0" encoding="utf-8"?>
+<p:properties xmlns:p="http://schemas.microsoft.com/office/2006/metadata/properties" xmlns:xsi="http://www.w3.org/2001/XMLSchema-instance" xmlns:pc="http://schemas.microsoft.com/office/infopath/2007/PartnerControls">
+  <documentManagement/>
+</p:properties>
+</file>
+
+<file path=customXml/item2.xml><?xml version="1.0" encoding="utf-8"?>
 <ct:contentTypeSchema xmlns:ct="http://schemas.microsoft.com/office/2006/metadata/contentType" xmlns:ma="http://schemas.microsoft.com/office/2006/metadata/properties/metaAttributes" ct:_="" ma:_="" ma:contentTypeName="Документ" ma:contentTypeID="0x010100D15C31BFB067CE438418208BFBD95ACF" ma:contentTypeVersion="4" ma:contentTypeDescription="Создание документа." ma:contentTypeScope="" ma:versionID="e5ae66e525818dd68787b862137e2b0d">
   <xsd:schema xmlns:xsd="http://www.w3.org/2001/XMLSchema" xmlns:xs="http://www.w3.org/2001/XMLSchema" xmlns:p="http://schemas.microsoft.com/office/2006/metadata/properties" xmlns:ns2="3344343f-a5f0-456c-af59-3f91e5f2cd12" targetNamespace="http://schemas.microsoft.com/office/2006/metadata/properties" ma:root="true" ma:fieldsID="301cf6c2f636c79f02f11baba80e7105" ns2:_="">
     <xsd:import namespace="3344343f-a5f0-456c-af59-3f91e5f2cd12"/>
@@ -12483,12 +13191,6 @@
 </ct:contentTypeSchema>
 </file>
 
-<file path=customXml/item2.xml><?xml version="1.0" encoding="utf-8"?>
-<p:properties xmlns:p="http://schemas.microsoft.com/office/2006/metadata/properties" xmlns:xsi="http://www.w3.org/2001/XMLSchema-instance" xmlns:pc="http://schemas.microsoft.com/office/infopath/2007/PartnerControls">
-  <documentManagement/>
-</p:properties>
-</file>
-
 <file path=customXml/item3.xml><?xml version="1.0" encoding="utf-8"?>
 <?mso-contentType ?>
 <FormTemplates xmlns="http://schemas.microsoft.com/sharepoint/v3/contenttype/forms">
@@ -12499,6 +13201,22 @@
 </file>
 
 <file path=customXml/itemProps1.xml><?xml version="1.0" encoding="utf-8"?>
+<ds:datastoreItem xmlns:ds="http://schemas.openxmlformats.org/officeDocument/2006/customXml" ds:itemID="{C2AD1C3F-2D59-484F-A9CD-A1FE403906F6}">
+  <ds:schemaRefs>
+    <ds:schemaRef ds:uri="http://www.w3.org/XML/1998/namespace"/>
+    <ds:schemaRef ds:uri="http://schemas.microsoft.com/office/2006/documentManagement/types"/>
+    <ds:schemaRef ds:uri="http://purl.org/dc/elements/1.1/"/>
+    <ds:schemaRef ds:uri="http://schemas.openxmlformats.org/package/2006/metadata/core-properties"/>
+    <ds:schemaRef ds:uri="http://schemas.microsoft.com/office/2006/metadata/properties"/>
+    <ds:schemaRef ds:uri="http://purl.org/dc/terms/"/>
+    <ds:schemaRef ds:uri="3344343f-a5f0-456c-af59-3f91e5f2cd12"/>
+    <ds:schemaRef ds:uri="http://schemas.microsoft.com/office/infopath/2007/PartnerControls"/>
+    <ds:schemaRef ds:uri="http://purl.org/dc/dcmitype/"/>
+  </ds:schemaRefs>
+</ds:datastoreItem>
+</file>
+
+<file path=customXml/itemProps2.xml><?xml version="1.0" encoding="utf-8"?>
 <ds:datastoreItem xmlns:ds="http://schemas.openxmlformats.org/officeDocument/2006/customXml" ds:itemID="{2F0368C2-9EA3-4CF4-BF35-28C0E3B3E713}">
   <ds:schemaRefs>
     <ds:schemaRef ds:uri="http://schemas.microsoft.com/office/2006/metadata/contentType"/>
@@ -12516,22 +13234,6 @@
 </ds:datastoreItem>
 </file>
 
-<file path=customXml/itemProps2.xml><?xml version="1.0" encoding="utf-8"?>
-<ds:datastoreItem xmlns:ds="http://schemas.openxmlformats.org/officeDocument/2006/customXml" ds:itemID="{C2AD1C3F-2D59-484F-A9CD-A1FE403906F6}">
-  <ds:schemaRefs>
-    <ds:schemaRef ds:uri="http://www.w3.org/XML/1998/namespace"/>
-    <ds:schemaRef ds:uri="http://schemas.microsoft.com/office/2006/documentManagement/types"/>
-    <ds:schemaRef ds:uri="http://purl.org/dc/elements/1.1/"/>
-    <ds:schemaRef ds:uri="http://schemas.openxmlformats.org/package/2006/metadata/core-properties"/>
-    <ds:schemaRef ds:uri="http://schemas.microsoft.com/office/2006/metadata/properties"/>
-    <ds:schemaRef ds:uri="http://purl.org/dc/terms/"/>
-    <ds:schemaRef ds:uri="3344343f-a5f0-456c-af59-3f91e5f2cd12"/>
-    <ds:schemaRef ds:uri="http://schemas.microsoft.com/office/infopath/2007/PartnerControls"/>
-    <ds:schemaRef ds:uri="http://purl.org/dc/dcmitype/"/>
-  </ds:schemaRefs>
-</ds:datastoreItem>
-</file>
-
 <file path=customXml/itemProps3.xml><?xml version="1.0" encoding="utf-8"?>
 <ds:datastoreItem xmlns:ds="http://schemas.openxmlformats.org/officeDocument/2006/customXml" ds:itemID="{4EB755E9-87B2-4582-9EA2-5AB147E9C549}">
   <ds:schemaRefs>
